--- a/PPImagePopulate/bin/Debug/Presentation1.pptx
+++ b/PPImagePopulate/bin/Debug/Presentation1.pptx
@@ -2,10 +2,10 @@
 <file path=ppt/presentation.xml><?xml version="1.0" encoding="utf-8"?>
 <p:presentation xmlns:a="http://schemas.openxmlformats.org/drawingml/2006/main" xmlns:r="http://schemas.openxmlformats.org/officeDocument/2006/relationships" xmlns:p="http://schemas.openxmlformats.org/presentationml/2006/main" saveSubsetFonts="1">
   <p:sldMasterIdLst>
-    <p:sldMasterId id="2147483648" r:id="R242c37365cbf446b"/>
+    <p:sldMasterId id="2147483648" r:id="Rdb873c3d61074811"/>
   </p:sldMasterIdLst>
   <p:sldIdLst>
-    <p:sldId id="256" r:id="R93e3db9c19234a97"/>
+    <p:sldId id="256" r:id="R70b45da937034e1f"/>
   </p:sldIdLst>
   <p:sldSz cx="12192000" cy="6858000"/>
   <p:notesSz cx="6858000" cy="9144000"/>
@@ -2652,17 +2652,17 @@
   </p:cSld>
   <p:clrMap bg1="lt1" tx1="dk1" bg2="lt2" tx2="dk2" accent1="accent1" accent2="accent2" accent3="accent3" accent4="accent4" accent5="accent5" accent6="accent6" hlink="hlink" folHlink="folHlink"/>
   <p:sldLayoutIdLst>
-    <p:sldLayoutId id="2147483649" r:id="R35a2abddb63f4224"/>
-    <p:sldLayoutId id="2147483650" r:id="Re86f276b0b6343fc"/>
-    <p:sldLayoutId id="2147483651" r:id="R8e75dabae8814324"/>
-    <p:sldLayoutId id="2147483652" r:id="R09889b11848b4a3d"/>
-    <p:sldLayoutId id="2147483653" r:id="Rfbd4c4041c744eb4"/>
-    <p:sldLayoutId id="2147483654" r:id="Re495bd26335f4789"/>
-    <p:sldLayoutId id="2147483655" r:id="Raf3c45d4b1584c53"/>
-    <p:sldLayoutId id="2147483656" r:id="R58fc7cf83c0042cd"/>
-    <p:sldLayoutId id="2147483657" r:id="R2112111413964bf5"/>
-    <p:sldLayoutId id="2147483658" r:id="R03cbddc0644045d5"/>
-    <p:sldLayoutId id="2147483659" r:id="R75d04728aaf14f6a"/>
+    <p:sldLayoutId id="2147483649" r:id="Rd0f603886ee8453b"/>
+    <p:sldLayoutId id="2147483650" r:id="R40eb101bf6c84176"/>
+    <p:sldLayoutId id="2147483651" r:id="Rd71978bca37e4e9f"/>
+    <p:sldLayoutId id="2147483652" r:id="R4f52f0cee9eb473d"/>
+    <p:sldLayoutId id="2147483653" r:id="Rce46c56f7f734ef6"/>
+    <p:sldLayoutId id="2147483654" r:id="R5a8b98227c994071"/>
+    <p:sldLayoutId id="2147483655" r:id="Rfa8da019f9bb4d44"/>
+    <p:sldLayoutId id="2147483656" r:id="Rca06230bd2b243f0"/>
+    <p:sldLayoutId id="2147483657" r:id="Rc078933d123646b1"/>
+    <p:sldLayoutId id="2147483658" r:id="R0220760e969542ee"/>
+    <p:sldLayoutId id="2147483659" r:id="Rde4ef9c41ba94644"/>
   </p:sldLayoutIdLst>
   <p:txStyles>
     <p:titleStyle>
@@ -3278,14 +3278,14 @@
 
 <file path=ppt/webextensions/taskpanes.xml><?xml version="1.0" encoding="utf-8"?>
 <wetp:taskpanes xmlns:r="http://schemas.openxmlformats.org/officeDocument/2006/relationships" xmlns:wetp="http://schemas.microsoft.com/office/webextensions/taskpanes/2010/11">
-  <wetp:taskpane dockstate="" visibility="1" width="525" row="1">
-    <wetp:webextensionref xmlns:r="http://schemas.openxmlformats.org/officeDocument/2006/relationships" r:id="R8382b4f061f54a58"/>
+  <wetp:taskpane dockstate="" visibility="1" width="350" row="1">
+    <wetp:webextensionref xmlns:r="http://schemas.openxmlformats.org/officeDocument/2006/relationships" r:id="R3033ee7f52a24941"/>
   </wetp:taskpane>
 </wetp:taskpanes>
 </file>
 
 <file path=ppt/webextensions/webextension.xml><?xml version="1.0" encoding="utf-8"?>
-<we:webextension xmlns:r="http://schemas.openxmlformats.org/officeDocument/2006/relationships" xmlns:we="http://schemas.microsoft.com/office/webextensions/webextension/2010/11" id="{e80c256d-4c24-4c75-851a-658197c69f9b}">
+<we:webextension xmlns:r="http://schemas.openxmlformats.org/officeDocument/2006/relationships" xmlns:we="http://schemas.microsoft.com/office/webextensions/webextension/2010/11" id="{e518b1f6-0e91-4b17-b2d3-f3324c76563f}">
   <we:reference id="b0c55b98-d1ca-4b5e-a8db-89dc84f0843b" version="1.0.0.0" store="developer" storeType="Registry"/>
   <we:alternateReferences/>
   <we:properties/>

--- a/PPImagePopulate/bin/Debug/Presentation1.pptx
+++ b/PPImagePopulate/bin/Debug/Presentation1.pptx
@@ -2,10 +2,10 @@
 <file path=ppt/presentation.xml><?xml version="1.0" encoding="utf-8"?>
 <p:presentation xmlns:a="http://schemas.openxmlformats.org/drawingml/2006/main" xmlns:r="http://schemas.openxmlformats.org/officeDocument/2006/relationships" xmlns:p="http://schemas.openxmlformats.org/presentationml/2006/main" saveSubsetFonts="1">
   <p:sldMasterIdLst>
-    <p:sldMasterId id="2147483648" r:id="Rdb873c3d61074811"/>
+    <p:sldMasterId id="2147483648" r:id="Rc85ffa4fe325497d"/>
   </p:sldMasterIdLst>
   <p:sldIdLst>
-    <p:sldId id="256" r:id="R70b45da937034e1f"/>
+    <p:sldId id="256" r:id="R9ab32cf418494e48"/>
   </p:sldIdLst>
   <p:sldSz cx="12192000" cy="6858000"/>
   <p:notesSz cx="6858000" cy="9144000"/>
@@ -2652,17 +2652,17 @@
   </p:cSld>
   <p:clrMap bg1="lt1" tx1="dk1" bg2="lt2" tx2="dk2" accent1="accent1" accent2="accent2" accent3="accent3" accent4="accent4" accent5="accent5" accent6="accent6" hlink="hlink" folHlink="folHlink"/>
   <p:sldLayoutIdLst>
-    <p:sldLayoutId id="2147483649" r:id="Rd0f603886ee8453b"/>
-    <p:sldLayoutId id="2147483650" r:id="R40eb101bf6c84176"/>
-    <p:sldLayoutId id="2147483651" r:id="Rd71978bca37e4e9f"/>
-    <p:sldLayoutId id="2147483652" r:id="R4f52f0cee9eb473d"/>
-    <p:sldLayoutId id="2147483653" r:id="Rce46c56f7f734ef6"/>
-    <p:sldLayoutId id="2147483654" r:id="R5a8b98227c994071"/>
-    <p:sldLayoutId id="2147483655" r:id="Rfa8da019f9bb4d44"/>
-    <p:sldLayoutId id="2147483656" r:id="Rca06230bd2b243f0"/>
-    <p:sldLayoutId id="2147483657" r:id="Rc078933d123646b1"/>
-    <p:sldLayoutId id="2147483658" r:id="R0220760e969542ee"/>
-    <p:sldLayoutId id="2147483659" r:id="Rde4ef9c41ba94644"/>
+    <p:sldLayoutId id="2147483649" r:id="Rb472e1d513154299"/>
+    <p:sldLayoutId id="2147483650" r:id="Rbe257038155041c2"/>
+    <p:sldLayoutId id="2147483651" r:id="Rabfc83b84ca24918"/>
+    <p:sldLayoutId id="2147483652" r:id="R220a5583dff847a4"/>
+    <p:sldLayoutId id="2147483653" r:id="Re19325011f2f42dd"/>
+    <p:sldLayoutId id="2147483654" r:id="R13a9c8c6ce3049b5"/>
+    <p:sldLayoutId id="2147483655" r:id="R6a56f19815484722"/>
+    <p:sldLayoutId id="2147483656" r:id="R98f69b4958d344cf"/>
+    <p:sldLayoutId id="2147483657" r:id="R8cb67b0cbe7c47f5"/>
+    <p:sldLayoutId id="2147483658" r:id="Rf42ec85c604148db"/>
+    <p:sldLayoutId id="2147483659" r:id="R4255169fe51b4a32"/>
   </p:sldLayoutIdLst>
   <p:txStyles>
     <p:titleStyle>
@@ -3279,13 +3279,13 @@
 <file path=ppt/webextensions/taskpanes.xml><?xml version="1.0" encoding="utf-8"?>
 <wetp:taskpanes xmlns:r="http://schemas.openxmlformats.org/officeDocument/2006/relationships" xmlns:wetp="http://schemas.microsoft.com/office/webextensions/taskpanes/2010/11">
   <wetp:taskpane dockstate="" visibility="1" width="350" row="1">
-    <wetp:webextensionref xmlns:r="http://schemas.openxmlformats.org/officeDocument/2006/relationships" r:id="R3033ee7f52a24941"/>
+    <wetp:webextensionref xmlns:r="http://schemas.openxmlformats.org/officeDocument/2006/relationships" r:id="Ra0cf6f6cd45a4557"/>
   </wetp:taskpane>
 </wetp:taskpanes>
 </file>
 
 <file path=ppt/webextensions/webextension.xml><?xml version="1.0" encoding="utf-8"?>
-<we:webextension xmlns:r="http://schemas.openxmlformats.org/officeDocument/2006/relationships" xmlns:we="http://schemas.microsoft.com/office/webextensions/webextension/2010/11" id="{e518b1f6-0e91-4b17-b2d3-f3324c76563f}">
+<we:webextension xmlns:r="http://schemas.openxmlformats.org/officeDocument/2006/relationships" xmlns:we="http://schemas.microsoft.com/office/webextensions/webextension/2010/11" id="{7f7833a6-42cd-4426-9c69-3a60e96bb550}">
   <we:reference id="b0c55b98-d1ca-4b5e-a8db-89dc84f0843b" version="1.0.0.0" store="developer" storeType="Registry"/>
   <we:alternateReferences/>
   <we:properties/>

--- a/PPImagePopulate/bin/Debug/Presentation1.pptx
+++ b/PPImagePopulate/bin/Debug/Presentation1.pptx
@@ -2,10 +2,10 @@
 <file path=ppt/presentation.xml><?xml version="1.0" encoding="utf-8"?>
 <p:presentation xmlns:a="http://schemas.openxmlformats.org/drawingml/2006/main" xmlns:r="http://schemas.openxmlformats.org/officeDocument/2006/relationships" xmlns:p="http://schemas.openxmlformats.org/presentationml/2006/main" saveSubsetFonts="1">
   <p:sldMasterIdLst>
-    <p:sldMasterId id="2147483648" r:id="Rc85ffa4fe325497d"/>
+    <p:sldMasterId id="2147483648" r:id="R7362e3f3483e4ac5"/>
   </p:sldMasterIdLst>
   <p:sldIdLst>
-    <p:sldId id="256" r:id="R9ab32cf418494e48"/>
+    <p:sldId id="256" r:id="R2d4560e51547460c"/>
   </p:sldIdLst>
   <p:sldSz cx="12192000" cy="6858000"/>
   <p:notesSz cx="6858000" cy="9144000"/>
@@ -2652,17 +2652,17 @@
   </p:cSld>
   <p:clrMap bg1="lt1" tx1="dk1" bg2="lt2" tx2="dk2" accent1="accent1" accent2="accent2" accent3="accent3" accent4="accent4" accent5="accent5" accent6="accent6" hlink="hlink" folHlink="folHlink"/>
   <p:sldLayoutIdLst>
-    <p:sldLayoutId id="2147483649" r:id="Rb472e1d513154299"/>
-    <p:sldLayoutId id="2147483650" r:id="Rbe257038155041c2"/>
-    <p:sldLayoutId id="2147483651" r:id="Rabfc83b84ca24918"/>
-    <p:sldLayoutId id="2147483652" r:id="R220a5583dff847a4"/>
-    <p:sldLayoutId id="2147483653" r:id="Re19325011f2f42dd"/>
-    <p:sldLayoutId id="2147483654" r:id="R13a9c8c6ce3049b5"/>
-    <p:sldLayoutId id="2147483655" r:id="R6a56f19815484722"/>
-    <p:sldLayoutId id="2147483656" r:id="R98f69b4958d344cf"/>
-    <p:sldLayoutId id="2147483657" r:id="R8cb67b0cbe7c47f5"/>
-    <p:sldLayoutId id="2147483658" r:id="Rf42ec85c604148db"/>
-    <p:sldLayoutId id="2147483659" r:id="R4255169fe51b4a32"/>
+    <p:sldLayoutId id="2147483649" r:id="R896becc39bf946c5"/>
+    <p:sldLayoutId id="2147483650" r:id="R34ef9e6e773043a4"/>
+    <p:sldLayoutId id="2147483651" r:id="Rd4adc54b87a242c4"/>
+    <p:sldLayoutId id="2147483652" r:id="R5322d6836fcf421d"/>
+    <p:sldLayoutId id="2147483653" r:id="Rd430b29d13d54965"/>
+    <p:sldLayoutId id="2147483654" r:id="R121dfd9589314756"/>
+    <p:sldLayoutId id="2147483655" r:id="R48f91d8c058c48a0"/>
+    <p:sldLayoutId id="2147483656" r:id="R0b96eea180be4b80"/>
+    <p:sldLayoutId id="2147483657" r:id="R9daf975bc1844cb1"/>
+    <p:sldLayoutId id="2147483658" r:id="Rdc5dbbcf8ee84e2a"/>
+    <p:sldLayoutId id="2147483659" r:id="Rc4b5e3d3c92b43d1"/>
   </p:sldLayoutIdLst>
   <p:txStyles>
     <p:titleStyle>
@@ -3279,13 +3279,13 @@
 <file path=ppt/webextensions/taskpanes.xml><?xml version="1.0" encoding="utf-8"?>
 <wetp:taskpanes xmlns:r="http://schemas.openxmlformats.org/officeDocument/2006/relationships" xmlns:wetp="http://schemas.microsoft.com/office/webextensions/taskpanes/2010/11">
   <wetp:taskpane dockstate="" visibility="1" width="350" row="1">
-    <wetp:webextensionref xmlns:r="http://schemas.openxmlformats.org/officeDocument/2006/relationships" r:id="Ra0cf6f6cd45a4557"/>
+    <wetp:webextensionref xmlns:r="http://schemas.openxmlformats.org/officeDocument/2006/relationships" r:id="R891eeaf2a7b14ecb"/>
   </wetp:taskpane>
 </wetp:taskpanes>
 </file>
 
 <file path=ppt/webextensions/webextension.xml><?xml version="1.0" encoding="utf-8"?>
-<we:webextension xmlns:r="http://schemas.openxmlformats.org/officeDocument/2006/relationships" xmlns:we="http://schemas.microsoft.com/office/webextensions/webextension/2010/11" id="{7f7833a6-42cd-4426-9c69-3a60e96bb550}">
+<we:webextension xmlns:r="http://schemas.openxmlformats.org/officeDocument/2006/relationships" xmlns:we="http://schemas.microsoft.com/office/webextensions/webextension/2010/11" id="{ebb3f07d-cda6-4246-bde6-ecbdfdf88dd7}">
   <we:reference id="b0c55b98-d1ca-4b5e-a8db-89dc84f0843b" version="1.0.0.0" store="developer" storeType="Registry"/>
   <we:alternateReferences/>
   <we:properties/>

--- a/PPImagePopulate/bin/Debug/Presentation1.pptx
+++ b/PPImagePopulate/bin/Debug/Presentation1.pptx
@@ -2,10 +2,10 @@
 <file path=ppt/presentation.xml><?xml version="1.0" encoding="utf-8"?>
 <p:presentation xmlns:a="http://schemas.openxmlformats.org/drawingml/2006/main" xmlns:r="http://schemas.openxmlformats.org/officeDocument/2006/relationships" xmlns:p="http://schemas.openxmlformats.org/presentationml/2006/main" saveSubsetFonts="1">
   <p:sldMasterIdLst>
-    <p:sldMasterId id="2147483648" r:id="R7362e3f3483e4ac5"/>
+    <p:sldMasterId id="2147483648" r:id="R038bc693d8d9434d"/>
   </p:sldMasterIdLst>
   <p:sldIdLst>
-    <p:sldId id="256" r:id="R2d4560e51547460c"/>
+    <p:sldId id="256" r:id="R5eb443df833b4c52"/>
   </p:sldIdLst>
   <p:sldSz cx="12192000" cy="6858000"/>
   <p:notesSz cx="6858000" cy="9144000"/>
@@ -2652,17 +2652,17 @@
   </p:cSld>
   <p:clrMap bg1="lt1" tx1="dk1" bg2="lt2" tx2="dk2" accent1="accent1" accent2="accent2" accent3="accent3" accent4="accent4" accent5="accent5" accent6="accent6" hlink="hlink" folHlink="folHlink"/>
   <p:sldLayoutIdLst>
-    <p:sldLayoutId id="2147483649" r:id="R896becc39bf946c5"/>
-    <p:sldLayoutId id="2147483650" r:id="R34ef9e6e773043a4"/>
-    <p:sldLayoutId id="2147483651" r:id="Rd4adc54b87a242c4"/>
-    <p:sldLayoutId id="2147483652" r:id="R5322d6836fcf421d"/>
-    <p:sldLayoutId id="2147483653" r:id="Rd430b29d13d54965"/>
-    <p:sldLayoutId id="2147483654" r:id="R121dfd9589314756"/>
-    <p:sldLayoutId id="2147483655" r:id="R48f91d8c058c48a0"/>
-    <p:sldLayoutId id="2147483656" r:id="R0b96eea180be4b80"/>
-    <p:sldLayoutId id="2147483657" r:id="R9daf975bc1844cb1"/>
-    <p:sldLayoutId id="2147483658" r:id="Rdc5dbbcf8ee84e2a"/>
-    <p:sldLayoutId id="2147483659" r:id="Rc4b5e3d3c92b43d1"/>
+    <p:sldLayoutId id="2147483649" r:id="R91a8f5efbf054302"/>
+    <p:sldLayoutId id="2147483650" r:id="R204a83d9105e4406"/>
+    <p:sldLayoutId id="2147483651" r:id="R43390b9582d4496b"/>
+    <p:sldLayoutId id="2147483652" r:id="R5306fa90a3474e56"/>
+    <p:sldLayoutId id="2147483653" r:id="R3c18faf5e9594840"/>
+    <p:sldLayoutId id="2147483654" r:id="R2afd774a810d40d8"/>
+    <p:sldLayoutId id="2147483655" r:id="R5ffaf9f0fe834107"/>
+    <p:sldLayoutId id="2147483656" r:id="Rf719eafd0ad7496f"/>
+    <p:sldLayoutId id="2147483657" r:id="Rd057c3f2dd96427f"/>
+    <p:sldLayoutId id="2147483658" r:id="R85c827cc92ba4ac8"/>
+    <p:sldLayoutId id="2147483659" r:id="Re9b7dc22fe0f4604"/>
   </p:sldLayoutIdLst>
   <p:txStyles>
     <p:titleStyle>
@@ -3279,13 +3279,13 @@
 <file path=ppt/webextensions/taskpanes.xml><?xml version="1.0" encoding="utf-8"?>
 <wetp:taskpanes xmlns:r="http://schemas.openxmlformats.org/officeDocument/2006/relationships" xmlns:wetp="http://schemas.microsoft.com/office/webextensions/taskpanes/2010/11">
   <wetp:taskpane dockstate="" visibility="1" width="350" row="1">
-    <wetp:webextensionref xmlns:r="http://schemas.openxmlformats.org/officeDocument/2006/relationships" r:id="R891eeaf2a7b14ecb"/>
+    <wetp:webextensionref xmlns:r="http://schemas.openxmlformats.org/officeDocument/2006/relationships" r:id="R9b9597206f2540aa"/>
   </wetp:taskpane>
 </wetp:taskpanes>
 </file>
 
 <file path=ppt/webextensions/webextension.xml><?xml version="1.0" encoding="utf-8"?>
-<we:webextension xmlns:r="http://schemas.openxmlformats.org/officeDocument/2006/relationships" xmlns:we="http://schemas.microsoft.com/office/webextensions/webextension/2010/11" id="{ebb3f07d-cda6-4246-bde6-ecbdfdf88dd7}">
+<we:webextension xmlns:r="http://schemas.openxmlformats.org/officeDocument/2006/relationships" xmlns:we="http://schemas.microsoft.com/office/webextensions/webextension/2010/11" id="{4f83afa2-9ab5-45f3-849e-338d7e182d0e}">
   <we:reference id="b0c55b98-d1ca-4b5e-a8db-89dc84f0843b" version="1.0.0.0" store="developer" storeType="Registry"/>
   <we:alternateReferences/>
   <we:properties/>

--- a/PPImagePopulate/bin/Debug/Presentation1.pptx
+++ b/PPImagePopulate/bin/Debug/Presentation1.pptx
@@ -2,10 +2,10 @@
 <file path=ppt/presentation.xml><?xml version="1.0" encoding="utf-8"?>
 <p:presentation xmlns:a="http://schemas.openxmlformats.org/drawingml/2006/main" xmlns:r="http://schemas.openxmlformats.org/officeDocument/2006/relationships" xmlns:p="http://schemas.openxmlformats.org/presentationml/2006/main" saveSubsetFonts="1">
   <p:sldMasterIdLst>
-    <p:sldMasterId id="2147483648" r:id="R038bc693d8d9434d"/>
+    <p:sldMasterId id="2147483648" r:id="Ra91c932238e6449d"/>
   </p:sldMasterIdLst>
   <p:sldIdLst>
-    <p:sldId id="256" r:id="R5eb443df833b4c52"/>
+    <p:sldId id="256" r:id="Rb4ddbb06f8a848b8"/>
   </p:sldIdLst>
   <p:sldSz cx="12192000" cy="6858000"/>
   <p:notesSz cx="6858000" cy="9144000"/>
@@ -2652,17 +2652,17 @@
   </p:cSld>
   <p:clrMap bg1="lt1" tx1="dk1" bg2="lt2" tx2="dk2" accent1="accent1" accent2="accent2" accent3="accent3" accent4="accent4" accent5="accent5" accent6="accent6" hlink="hlink" folHlink="folHlink"/>
   <p:sldLayoutIdLst>
-    <p:sldLayoutId id="2147483649" r:id="R91a8f5efbf054302"/>
-    <p:sldLayoutId id="2147483650" r:id="R204a83d9105e4406"/>
-    <p:sldLayoutId id="2147483651" r:id="R43390b9582d4496b"/>
-    <p:sldLayoutId id="2147483652" r:id="R5306fa90a3474e56"/>
-    <p:sldLayoutId id="2147483653" r:id="R3c18faf5e9594840"/>
-    <p:sldLayoutId id="2147483654" r:id="R2afd774a810d40d8"/>
-    <p:sldLayoutId id="2147483655" r:id="R5ffaf9f0fe834107"/>
-    <p:sldLayoutId id="2147483656" r:id="Rf719eafd0ad7496f"/>
-    <p:sldLayoutId id="2147483657" r:id="Rd057c3f2dd96427f"/>
-    <p:sldLayoutId id="2147483658" r:id="R85c827cc92ba4ac8"/>
-    <p:sldLayoutId id="2147483659" r:id="Re9b7dc22fe0f4604"/>
+    <p:sldLayoutId id="2147483649" r:id="Rc08e8ba933364e5e"/>
+    <p:sldLayoutId id="2147483650" r:id="R8a5657a582624ed5"/>
+    <p:sldLayoutId id="2147483651" r:id="Rb492af8a91224165"/>
+    <p:sldLayoutId id="2147483652" r:id="R4daaa418dd644e48"/>
+    <p:sldLayoutId id="2147483653" r:id="R5c541d6b456349e5"/>
+    <p:sldLayoutId id="2147483654" r:id="Racd61008b0934566"/>
+    <p:sldLayoutId id="2147483655" r:id="R9c4e4965fb804d37"/>
+    <p:sldLayoutId id="2147483656" r:id="R0509e45bc1854b48"/>
+    <p:sldLayoutId id="2147483657" r:id="R8e1baa336e804f50"/>
+    <p:sldLayoutId id="2147483658" r:id="Rba677f38ef0f43dc"/>
+    <p:sldLayoutId id="2147483659" r:id="R2a601a25ac7347c3"/>
   </p:sldLayoutIdLst>
   <p:txStyles>
     <p:titleStyle>
@@ -3279,13 +3279,13 @@
 <file path=ppt/webextensions/taskpanes.xml><?xml version="1.0" encoding="utf-8"?>
 <wetp:taskpanes xmlns:r="http://schemas.openxmlformats.org/officeDocument/2006/relationships" xmlns:wetp="http://schemas.microsoft.com/office/webextensions/taskpanes/2010/11">
   <wetp:taskpane dockstate="" visibility="1" width="350" row="1">
-    <wetp:webextensionref xmlns:r="http://schemas.openxmlformats.org/officeDocument/2006/relationships" r:id="R9b9597206f2540aa"/>
+    <wetp:webextensionref xmlns:r="http://schemas.openxmlformats.org/officeDocument/2006/relationships" r:id="R56f53a779bcb4c01"/>
   </wetp:taskpane>
 </wetp:taskpanes>
 </file>
 
 <file path=ppt/webextensions/webextension.xml><?xml version="1.0" encoding="utf-8"?>
-<we:webextension xmlns:r="http://schemas.openxmlformats.org/officeDocument/2006/relationships" xmlns:we="http://schemas.microsoft.com/office/webextensions/webextension/2010/11" id="{4f83afa2-9ab5-45f3-849e-338d7e182d0e}">
+<we:webextension xmlns:r="http://schemas.openxmlformats.org/officeDocument/2006/relationships" xmlns:we="http://schemas.microsoft.com/office/webextensions/webextension/2010/11" id="{05f06197-3fad-4d78-8c73-bcbcc34e5a0a}">
   <we:reference id="b0c55b98-d1ca-4b5e-a8db-89dc84f0843b" version="1.0.0.0" store="developer" storeType="Registry"/>
   <we:alternateReferences/>
   <we:properties/>
